--- a/Group1 presentation revised.pptx
+++ b/Group1 presentation revised.pptx
@@ -5,19 +5,17 @@
     <p:sldMasterId id="2147483659" r:id="rId1"/>
   </p:sldMasterIdLst>
   <p:notesMasterIdLst>
-    <p:notesMasterId r:id="rId12"/>
+    <p:notesMasterId r:id="rId10"/>
   </p:notesMasterIdLst>
   <p:sldIdLst>
     <p:sldId id="257" r:id="rId2"/>
-    <p:sldId id="274" r:id="rId3"/>
-    <p:sldId id="265" r:id="rId4"/>
-    <p:sldId id="266" r:id="rId5"/>
-    <p:sldId id="270" r:id="rId6"/>
-    <p:sldId id="267" r:id="rId7"/>
-    <p:sldId id="268" r:id="rId8"/>
-    <p:sldId id="272" r:id="rId9"/>
-    <p:sldId id="259" r:id="rId10"/>
-    <p:sldId id="258" r:id="rId11"/>
+    <p:sldId id="265" r:id="rId3"/>
+    <p:sldId id="266" r:id="rId4"/>
+    <p:sldId id="270" r:id="rId5"/>
+    <p:sldId id="267" r:id="rId6"/>
+    <p:sldId id="268" r:id="rId7"/>
+    <p:sldId id="259" r:id="rId8"/>
+    <p:sldId id="258" r:id="rId9"/>
   </p:sldIdLst>
   <p:sldSz cx="9144000" cy="5143500" type="screen16x9"/>
   <p:notesSz cx="6858000" cy="9144000"/>
@@ -913,7 +911,7 @@
     </p:spTree>
     <p:extLst>
       <p:ext uri="{BB962C8B-B14F-4D97-AF65-F5344CB8AC3E}">
-        <p14:creationId xmlns:p14="http://schemas.microsoft.com/office/powerpoint/2010/main" val="1427475526"/>
+        <p14:creationId xmlns:p14="http://schemas.microsoft.com/office/powerpoint/2010/main" val="4290851479"/>
       </p:ext>
     </p:extLst>
   </p:cSld>
@@ -1022,7 +1020,7 @@
     </p:spTree>
     <p:extLst>
       <p:ext uri="{BB962C8B-B14F-4D97-AF65-F5344CB8AC3E}">
-        <p14:creationId xmlns:p14="http://schemas.microsoft.com/office/powerpoint/2010/main" val="4290851479"/>
+        <p14:creationId xmlns:p14="http://schemas.microsoft.com/office/powerpoint/2010/main" val="1196519449"/>
       </p:ext>
     </p:extLst>
   </p:cSld>
@@ -1131,7 +1129,7 @@
     </p:spTree>
     <p:extLst>
       <p:ext uri="{BB962C8B-B14F-4D97-AF65-F5344CB8AC3E}">
-        <p14:creationId xmlns:p14="http://schemas.microsoft.com/office/powerpoint/2010/main" val="1196519449"/>
+        <p14:creationId xmlns:p14="http://schemas.microsoft.com/office/powerpoint/2010/main" val="3939736502"/>
       </p:ext>
     </p:extLst>
   </p:cSld>
@@ -1240,7 +1238,7 @@
     </p:spTree>
     <p:extLst>
       <p:ext uri="{BB962C8B-B14F-4D97-AF65-F5344CB8AC3E}">
-        <p14:creationId xmlns:p14="http://schemas.microsoft.com/office/powerpoint/2010/main" val="3939736502"/>
+        <p14:creationId xmlns:p14="http://schemas.microsoft.com/office/powerpoint/2010/main" val="3230822734"/>
       </p:ext>
     </p:extLst>
   </p:cSld>
@@ -1349,7 +1347,7 @@
     </p:spTree>
     <p:extLst>
       <p:ext uri="{BB962C8B-B14F-4D97-AF65-F5344CB8AC3E}">
-        <p14:creationId xmlns:p14="http://schemas.microsoft.com/office/powerpoint/2010/main" val="3230822734"/>
+        <p14:creationId xmlns:p14="http://schemas.microsoft.com/office/powerpoint/2010/main" val="656907220"/>
       </p:ext>
     </p:extLst>
   </p:cSld>
@@ -1360,224 +1358,6 @@
 </file>
 
 <file path=ppt/notesSlides/notesSlide7.xml><?xml version="1.0" encoding="utf-8"?>
-<p:notes xmlns:a="http://schemas.openxmlformats.org/drawingml/2006/main" xmlns:r="http://schemas.openxmlformats.org/officeDocument/2006/relationships" xmlns:p="http://schemas.openxmlformats.org/presentationml/2006/main" showMasterSp="0" showMasterPhAnim="0">
-  <p:cSld>
-    <p:spTree>
-      <p:nvGrpSpPr>
-        <p:cNvPr id="1" name="Shape 50"/>
-        <p:cNvGrpSpPr/>
-        <p:nvPr/>
-      </p:nvGrpSpPr>
-      <p:grpSpPr>
-        <a:xfrm>
-          <a:off x="0" y="0"/>
-          <a:ext cx="0" cy="0"/>
-          <a:chOff x="0" y="0"/>
-          <a:chExt cx="0" cy="0"/>
-        </a:xfrm>
-      </p:grpSpPr>
-      <p:sp>
-        <p:nvSpPr>
-          <p:cNvPr id="51" name="Google Shape;51;p:notes"/>
-          <p:cNvSpPr>
-            <a:spLocks noGrp="1" noRot="1" noChangeAspect="1"/>
-          </p:cNvSpPr>
-          <p:nvPr>
-            <p:ph type="sldImg" idx="2"/>
-          </p:nvPr>
-        </p:nvSpPr>
-        <p:spPr>
-          <a:xfrm>
-            <a:off x="381000" y="685800"/>
-            <a:ext cx="6096000" cy="3429000"/>
-          </a:xfrm>
-          <a:custGeom>
-            <a:avLst/>
-            <a:gdLst/>
-            <a:ahLst/>
-            <a:cxnLst/>
-            <a:rect l="l" t="t" r="r" b="b"/>
-            <a:pathLst>
-              <a:path w="120000" h="120000" extrusionOk="0">
-                <a:moveTo>
-                  <a:pt x="0" y="0"/>
-                </a:moveTo>
-                <a:lnTo>
-                  <a:pt x="120000" y="0"/>
-                </a:lnTo>
-                <a:lnTo>
-                  <a:pt x="120000" y="120000"/>
-                </a:lnTo>
-                <a:lnTo>
-                  <a:pt x="0" y="120000"/>
-                </a:lnTo>
-                <a:close/>
-              </a:path>
-            </a:pathLst>
-          </a:custGeom>
-        </p:spPr>
-      </p:sp>
-      <p:sp>
-        <p:nvSpPr>
-          <p:cNvPr id="52" name="Google Shape;52;p:notes"/>
-          <p:cNvSpPr txBox="1">
-            <a:spLocks noGrp="1"/>
-          </p:cNvSpPr>
-          <p:nvPr>
-            <p:ph type="body" idx="1"/>
-          </p:nvPr>
-        </p:nvSpPr>
-        <p:spPr>
-          <a:xfrm>
-            <a:off x="685800" y="4343400"/>
-            <a:ext cx="5486400" cy="4114800"/>
-          </a:xfrm>
-          <a:prstGeom prst="rect">
-            <a:avLst/>
-          </a:prstGeom>
-        </p:spPr>
-        <p:txBody>
-          <a:bodyPr spcFirstLastPara="1" wrap="square" lIns="91425" tIns="91425" rIns="91425" bIns="91425" anchor="t" anchorCtr="0">
-            <a:noAutofit/>
-          </a:bodyPr>
-          <a:lstStyle/>
-          <a:p>
-            <a:pPr marL="0" lvl="0" indent="0" algn="l" rtl="0">
-              <a:spcBef>
-                <a:spcPts val="0"/>
-              </a:spcBef>
-              <a:spcAft>
-                <a:spcPts val="0"/>
-              </a:spcAft>
-              <a:buNone/>
-            </a:pPr>
-            <a:endParaRPr/>
-          </a:p>
-        </p:txBody>
-      </p:sp>
-    </p:spTree>
-    <p:extLst>
-      <p:ext uri="{BB962C8B-B14F-4D97-AF65-F5344CB8AC3E}">
-        <p14:creationId xmlns:p14="http://schemas.microsoft.com/office/powerpoint/2010/main" val="656907220"/>
-      </p:ext>
-    </p:extLst>
-  </p:cSld>
-  <p:clrMapOvr>
-    <a:masterClrMapping/>
-  </p:clrMapOvr>
-</p:notes>
-</file>
-
-<file path=ppt/notesSlides/notesSlide8.xml><?xml version="1.0" encoding="utf-8"?>
-<p:notes xmlns:a="http://schemas.openxmlformats.org/drawingml/2006/main" xmlns:r="http://schemas.openxmlformats.org/officeDocument/2006/relationships" xmlns:p="http://schemas.openxmlformats.org/presentationml/2006/main" showMasterSp="0" showMasterPhAnim="0">
-  <p:cSld>
-    <p:spTree>
-      <p:nvGrpSpPr>
-        <p:cNvPr id="1" name="Shape 50"/>
-        <p:cNvGrpSpPr/>
-        <p:nvPr/>
-      </p:nvGrpSpPr>
-      <p:grpSpPr>
-        <a:xfrm>
-          <a:off x="0" y="0"/>
-          <a:ext cx="0" cy="0"/>
-          <a:chOff x="0" y="0"/>
-          <a:chExt cx="0" cy="0"/>
-        </a:xfrm>
-      </p:grpSpPr>
-      <p:sp>
-        <p:nvSpPr>
-          <p:cNvPr id="51" name="Google Shape;51;p:notes"/>
-          <p:cNvSpPr>
-            <a:spLocks noGrp="1" noRot="1" noChangeAspect="1"/>
-          </p:cNvSpPr>
-          <p:nvPr>
-            <p:ph type="sldImg" idx="2"/>
-          </p:nvPr>
-        </p:nvSpPr>
-        <p:spPr>
-          <a:xfrm>
-            <a:off x="381000" y="685800"/>
-            <a:ext cx="6096000" cy="3429000"/>
-          </a:xfrm>
-          <a:custGeom>
-            <a:avLst/>
-            <a:gdLst/>
-            <a:ahLst/>
-            <a:cxnLst/>
-            <a:rect l="l" t="t" r="r" b="b"/>
-            <a:pathLst>
-              <a:path w="120000" h="120000" extrusionOk="0">
-                <a:moveTo>
-                  <a:pt x="0" y="0"/>
-                </a:moveTo>
-                <a:lnTo>
-                  <a:pt x="120000" y="0"/>
-                </a:lnTo>
-                <a:lnTo>
-                  <a:pt x="120000" y="120000"/>
-                </a:lnTo>
-                <a:lnTo>
-                  <a:pt x="0" y="120000"/>
-                </a:lnTo>
-                <a:close/>
-              </a:path>
-            </a:pathLst>
-          </a:custGeom>
-        </p:spPr>
-      </p:sp>
-      <p:sp>
-        <p:nvSpPr>
-          <p:cNvPr id="52" name="Google Shape;52;p:notes"/>
-          <p:cNvSpPr txBox="1">
-            <a:spLocks noGrp="1"/>
-          </p:cNvSpPr>
-          <p:nvPr>
-            <p:ph type="body" idx="1"/>
-          </p:nvPr>
-        </p:nvSpPr>
-        <p:spPr>
-          <a:xfrm>
-            <a:off x="685800" y="4343400"/>
-            <a:ext cx="5486400" cy="4114800"/>
-          </a:xfrm>
-          <a:prstGeom prst="rect">
-            <a:avLst/>
-          </a:prstGeom>
-        </p:spPr>
-        <p:txBody>
-          <a:bodyPr spcFirstLastPara="1" wrap="square" lIns="91425" tIns="91425" rIns="91425" bIns="91425" anchor="t" anchorCtr="0">
-            <a:noAutofit/>
-          </a:bodyPr>
-          <a:lstStyle/>
-          <a:p>
-            <a:pPr marL="0" lvl="0" indent="0" algn="l" rtl="0">
-              <a:spcBef>
-                <a:spcPts val="0"/>
-              </a:spcBef>
-              <a:spcAft>
-                <a:spcPts val="0"/>
-              </a:spcAft>
-              <a:buNone/>
-            </a:pPr>
-            <a:endParaRPr/>
-          </a:p>
-        </p:txBody>
-      </p:sp>
-    </p:spTree>
-    <p:extLst>
-      <p:ext uri="{BB962C8B-B14F-4D97-AF65-F5344CB8AC3E}">
-        <p14:creationId xmlns:p14="http://schemas.microsoft.com/office/powerpoint/2010/main" val="2170302588"/>
-      </p:ext>
-    </p:extLst>
-  </p:cSld>
-  <p:clrMapOvr>
-    <a:masterClrMapping/>
-  </p:clrMapOvr>
-</p:notes>
-</file>
-
-<file path=ppt/notesSlides/notesSlide9.xml><?xml version="1.0" encoding="utf-8"?>
 <p:notes xmlns:a="http://schemas.openxmlformats.org/drawingml/2006/main" xmlns:r="http://schemas.openxmlformats.org/officeDocument/2006/relationships" xmlns:p="http://schemas.openxmlformats.org/presentationml/2006/main" showMasterSp="0" showMasterPhAnim="0">
   <p:cSld>
     <p:spTree>
@@ -6340,494 +6120,7 @@
 </p:sld>
 </file>
 
-<file path=ppt/slides/slide10.xml><?xml version="1.0" encoding="utf-8"?>
-<p:sld xmlns:a="http://schemas.openxmlformats.org/drawingml/2006/main" xmlns:r="http://schemas.openxmlformats.org/officeDocument/2006/relationships" xmlns:p="http://schemas.openxmlformats.org/presentationml/2006/main">
-  <p:cSld>
-    <p:spTree>
-      <p:nvGrpSpPr>
-        <p:cNvPr id="1" name=""/>
-        <p:cNvGrpSpPr/>
-        <p:nvPr/>
-      </p:nvGrpSpPr>
-      <p:grpSpPr>
-        <a:xfrm>
-          <a:off x="0" y="0"/>
-          <a:ext cx="0" cy="0"/>
-          <a:chOff x="0" y="0"/>
-          <a:chExt cx="0" cy="0"/>
-        </a:xfrm>
-      </p:grpSpPr>
-      <p:sp>
-        <p:nvSpPr>
-          <p:cNvPr id="2" name="Title 1">
-            <a:extLst>
-              <a:ext uri="{FF2B5EF4-FFF2-40B4-BE49-F238E27FC236}">
-                <a16:creationId xmlns:a16="http://schemas.microsoft.com/office/drawing/2014/main" id="{893591FB-E051-45F5-BD5B-84DA315AECCE}"/>
-              </a:ext>
-            </a:extLst>
-          </p:cNvPr>
-          <p:cNvSpPr>
-            <a:spLocks noGrp="1"/>
-          </p:cNvSpPr>
-          <p:nvPr>
-            <p:ph type="title"/>
-          </p:nvPr>
-        </p:nvSpPr>
-        <p:spPr/>
-        <p:txBody>
-          <a:bodyPr/>
-          <a:lstStyle/>
-          <a:p>
-            <a:endParaRPr lang="en-US" dirty="0"/>
-          </a:p>
-        </p:txBody>
-      </p:sp>
-      <p:sp>
-        <p:nvSpPr>
-          <p:cNvPr id="3" name="Slide Number Placeholder 2">
-            <a:extLst>
-              <a:ext uri="{FF2B5EF4-FFF2-40B4-BE49-F238E27FC236}">
-                <a16:creationId xmlns:a16="http://schemas.microsoft.com/office/drawing/2014/main" id="{12DABCC8-71FF-431C-BC45-1554E8BD99CB}"/>
-              </a:ext>
-            </a:extLst>
-          </p:cNvPr>
-          <p:cNvSpPr>
-            <a:spLocks noGrp="1"/>
-          </p:cNvSpPr>
-          <p:nvPr>
-            <p:ph type="sldNum" idx="12"/>
-          </p:nvPr>
-        </p:nvSpPr>
-        <p:spPr/>
-        <p:txBody>
-          <a:bodyPr/>
-          <a:lstStyle/>
-          <a:p>
-            <a:pPr marL="0" lvl="0" indent="0" algn="r" rtl="0">
-              <a:spcBef>
-                <a:spcPts val="0"/>
-              </a:spcBef>
-              <a:spcAft>
-                <a:spcPts val="0"/>
-              </a:spcAft>
-              <a:buNone/>
-            </a:pPr>
-            <a:fld id="{00000000-1234-1234-1234-123412341234}" type="slidenum">
-              <a:rPr lang="en" smtClean="0"/>
-              <a:t>10</a:t>
-            </a:fld>
-            <a:endParaRPr lang="en"/>
-          </a:p>
-        </p:txBody>
-      </p:sp>
-    </p:spTree>
-    <p:extLst>
-      <p:ext uri="{BB962C8B-B14F-4D97-AF65-F5344CB8AC3E}">
-        <p14:creationId xmlns:p14="http://schemas.microsoft.com/office/powerpoint/2010/main" val="3080054913"/>
-      </p:ext>
-    </p:extLst>
-  </p:cSld>
-  <p:clrMapOvr>
-    <a:masterClrMapping/>
-  </p:clrMapOvr>
-</p:sld>
-</file>
-
 <file path=ppt/slides/slide2.xml><?xml version="1.0" encoding="utf-8"?>
-<p:sld xmlns:a="http://schemas.openxmlformats.org/drawingml/2006/main" xmlns:r="http://schemas.openxmlformats.org/officeDocument/2006/relationships" xmlns:p="http://schemas.openxmlformats.org/presentationml/2006/main">
-  <p:cSld>
-    <p:bg>
-      <p:bgPr>
-        <a:blipFill dpi="0" rotWithShape="1">
-          <a:blip r:embed="rId3">
-            <a:lum/>
-          </a:blip>
-          <a:srcRect/>
-          <a:stretch>
-            <a:fillRect/>
-          </a:stretch>
-        </a:blipFill>
-        <a:effectLst/>
-      </p:bgPr>
-    </p:bg>
-    <p:spTree>
-      <p:nvGrpSpPr>
-        <p:cNvPr id="1" name="Shape 53"/>
-        <p:cNvGrpSpPr/>
-        <p:nvPr/>
-      </p:nvGrpSpPr>
-      <p:grpSpPr>
-        <a:xfrm>
-          <a:off x="0" y="0"/>
-          <a:ext cx="0" cy="0"/>
-          <a:chOff x="0" y="0"/>
-          <a:chExt cx="0" cy="0"/>
-        </a:xfrm>
-      </p:grpSpPr>
-      <p:pic>
-        <p:nvPicPr>
-          <p:cNvPr id="4" name="Picture 3">
-            <a:extLst>
-              <a:ext uri="{FF2B5EF4-FFF2-40B4-BE49-F238E27FC236}">
-                <a16:creationId xmlns:a16="http://schemas.microsoft.com/office/drawing/2014/main" id="{988BEC99-851C-4203-85C9-4FF1779C0510}"/>
-              </a:ext>
-            </a:extLst>
-          </p:cNvPr>
-          <p:cNvPicPr>
-            <a:picLocks noChangeAspect="1"/>
-          </p:cNvPicPr>
-          <p:nvPr/>
-        </p:nvPicPr>
-        <p:blipFill>
-          <a:blip r:embed="rId4"/>
-          <a:stretch>
-            <a:fillRect/>
-          </a:stretch>
-        </p:blipFill>
-        <p:spPr>
-          <a:xfrm>
-            <a:off x="-37863" y="309940"/>
-            <a:ext cx="9219724" cy="4818348"/>
-          </a:xfrm>
-          <a:prstGeom prst="rect">
-            <a:avLst/>
-          </a:prstGeom>
-          <a:solidFill>
-            <a:schemeClr val="bg1"/>
-          </a:solidFill>
-          <a:effectLst>
-            <a:glow rad="127000">
-              <a:schemeClr val="bg1">
-                <a:lumMod val="95000"/>
-                <a:alpha val="0"/>
-              </a:schemeClr>
-            </a:glow>
-          </a:effectLst>
-        </p:spPr>
-      </p:pic>
-      <p:sp>
-        <p:nvSpPr>
-          <p:cNvPr id="55" name="Google Shape;55;p13"/>
-          <p:cNvSpPr txBox="1">
-            <a:spLocks noGrp="1"/>
-          </p:cNvSpPr>
-          <p:nvPr>
-            <p:ph type="subTitle" idx="1"/>
-          </p:nvPr>
-        </p:nvSpPr>
-        <p:spPr>
-          <a:xfrm>
-            <a:off x="45720" y="71242"/>
-            <a:ext cx="9063990" cy="477397"/>
-          </a:xfrm>
-          <a:prstGeom prst="rect">
-            <a:avLst/>
-          </a:prstGeom>
-          <a:blipFill dpi="0" rotWithShape="1">
-            <a:blip r:embed="rId5">
-              <a:alphaModFix amt="74000"/>
-            </a:blip>
-            <a:srcRect/>
-            <a:tile tx="0" ty="0" sx="100000" sy="100000" flip="none" algn="tl"/>
-          </a:blipFill>
-          <a:effectLst>
-            <a:glow rad="127000">
-              <a:schemeClr val="accent1">
-                <a:lumMod val="75000"/>
-              </a:schemeClr>
-            </a:glow>
-          </a:effectLst>
-        </p:spPr>
-        <p:txBody>
-          <a:bodyPr spcFirstLastPara="1" wrap="square" lIns="91425" tIns="91425" rIns="91425" bIns="91425" anchor="t" anchorCtr="0">
-            <a:normAutofit/>
-          </a:bodyPr>
-          <a:lstStyle/>
-          <a:p>
-            <a:pPr marL="0" lvl="0" indent="0" algn="ctr" rtl="0">
-              <a:spcBef>
-                <a:spcPts val="0"/>
-              </a:spcBef>
-              <a:spcAft>
-                <a:spcPts val="0"/>
-              </a:spcAft>
-              <a:buNone/>
-            </a:pPr>
-            <a:r>
-              <a:rPr lang="en" sz="1800" dirty="0">
-                <a:solidFill>
-                  <a:srgbClr val="000000"/>
-                </a:solidFill>
-              </a:rPr>
-              <a:t>Market Volatility During International Conflicts</a:t>
-            </a:r>
-            <a:endParaRPr sz="1800" dirty="0">
-              <a:solidFill>
-                <a:srgbClr val="000000"/>
-              </a:solidFill>
-            </a:endParaRPr>
-          </a:p>
-        </p:txBody>
-      </p:sp>
-      <p:sp>
-        <p:nvSpPr>
-          <p:cNvPr id="2" name="TextBox 1">
-            <a:extLst>
-              <a:ext uri="{FF2B5EF4-FFF2-40B4-BE49-F238E27FC236}">
-                <a16:creationId xmlns:a16="http://schemas.microsoft.com/office/drawing/2014/main" id="{48BF80AB-9619-49C8-9D40-FF1028787918}"/>
-              </a:ext>
-            </a:extLst>
-          </p:cNvPr>
-          <p:cNvSpPr txBox="1"/>
-          <p:nvPr/>
-        </p:nvSpPr>
-        <p:spPr>
-          <a:xfrm>
-            <a:off x="474345" y="909756"/>
-            <a:ext cx="8286750" cy="3539430"/>
-          </a:xfrm>
-          <a:prstGeom prst="rect">
-            <a:avLst/>
-          </a:prstGeom>
-          <a:gradFill flip="none" rotWithShape="1">
-            <a:gsLst>
-              <a:gs pos="0">
-                <a:schemeClr val="accent4">
-                  <a:lumMod val="0"/>
-                  <a:lumOff val="100000"/>
-                </a:schemeClr>
-              </a:gs>
-              <a:gs pos="89000">
-                <a:schemeClr val="accent4">
-                  <a:lumMod val="0"/>
-                  <a:lumOff val="100000"/>
-                  <a:alpha val="46000"/>
-                </a:schemeClr>
-              </a:gs>
-              <a:gs pos="100000">
-                <a:schemeClr val="accent4">
-                  <a:lumMod val="100000"/>
-                </a:schemeClr>
-              </a:gs>
-            </a:gsLst>
-            <a:path path="shape">
-              <a:fillToRect l="50000" t="50000" r="50000" b="50000"/>
-            </a:path>
-            <a:tileRect/>
-          </a:gradFill>
-          <a:effectLst>
-            <a:softEdge rad="139700"/>
-          </a:effectLst>
-        </p:spPr>
-        <p:txBody>
-          <a:bodyPr wrap="square" rtlCol="0">
-            <a:spAutoFit/>
-          </a:bodyPr>
-          <a:lstStyle/>
-          <a:p>
-            <a:pPr algn="l">
-              <a:buFont typeface="Arial" panose="020B0604020202020204" pitchFamily="34" charset="0"/>
-              <a:buChar char="•"/>
-            </a:pPr>
-            <a:r>
-              <a:rPr lang="en-US" b="0" i="0" dirty="0">
-                <a:solidFill>
-                  <a:srgbClr val="2B2B2B"/>
-                </a:solidFill>
-                <a:effectLst/>
-                <a:latin typeface="Roboto" panose="02000000000000000000" pitchFamily="2" charset="0"/>
-              </a:rPr>
-              <a:t>Stock market volatility during International conflicts</a:t>
-            </a:r>
-          </a:p>
-          <a:p>
-            <a:pPr algn="l">
-              <a:buFont typeface="Arial" panose="020B0604020202020204" pitchFamily="34" charset="0"/>
-              <a:buChar char="•"/>
-            </a:pPr>
-            <a:r>
-              <a:rPr lang="en-US" b="0" i="0" dirty="0">
-                <a:solidFill>
-                  <a:srgbClr val="2B2B2B"/>
-                </a:solidFill>
-                <a:effectLst/>
-                <a:latin typeface="Roboto" panose="02000000000000000000" pitchFamily="2" charset="0"/>
-              </a:rPr>
-              <a:t>With the war that is going on in Ukraine and Russia our group decided to see how conflicts/war in the past and present have affected the stock market. </a:t>
-            </a:r>
-          </a:p>
-          <a:p>
-            <a:pPr algn="l">
-              <a:buFont typeface="Arial" panose="020B0604020202020204" pitchFamily="34" charset="0"/>
-              <a:buChar char="•"/>
-            </a:pPr>
-            <a:r>
-              <a:rPr lang="en-US" b="0" i="0" dirty="0">
-                <a:solidFill>
-                  <a:srgbClr val="2B2B2B"/>
-                </a:solidFill>
-                <a:effectLst/>
-                <a:latin typeface="Roboto" panose="02000000000000000000" pitchFamily="2" charset="0"/>
-              </a:rPr>
-              <a:t>The stock market dataset is from Kaggle and the conflict data is from Uppsala Conflict Data Program – Department of Peace and Conflict Research</a:t>
-            </a:r>
-          </a:p>
-          <a:p>
-            <a:pPr algn="l">
-              <a:buFont typeface="Arial" panose="020B0604020202020204" pitchFamily="34" charset="0"/>
-              <a:buChar char="•"/>
-            </a:pPr>
-            <a:r>
-              <a:rPr lang="en-US" b="0" i="0" dirty="0">
-                <a:solidFill>
-                  <a:srgbClr val="2B2B2B"/>
-                </a:solidFill>
-                <a:effectLst/>
-                <a:latin typeface="Roboto" panose="02000000000000000000" pitchFamily="2" charset="0"/>
-              </a:rPr>
-              <a:t>What was the market behavior prior to conflict? What is market behavior during conflict? Did the size of the conflict have a proportional impact on the market price? Was a certain sector impacted more than another? Which territory or location </a:t>
-            </a:r>
-            <a:r>
-              <a:rPr lang="en-US" dirty="0">
-                <a:solidFill>
-                  <a:srgbClr val="2B2B2B"/>
-                </a:solidFill>
-                <a:latin typeface="Roboto" panose="02000000000000000000" pitchFamily="2" charset="0"/>
-              </a:rPr>
-              <a:t>was greatly affected and what was minimum, maximum and average market value during the conflict?</a:t>
-            </a:r>
-            <a:endParaRPr lang="en-US" b="0" i="0" dirty="0">
-              <a:solidFill>
-                <a:srgbClr val="2B2B2B"/>
-              </a:solidFill>
-              <a:effectLst/>
-              <a:latin typeface="Roboto" panose="02000000000000000000" pitchFamily="2" charset="0"/>
-            </a:endParaRPr>
-          </a:p>
-          <a:p>
-            <a:pPr algn="l">
-              <a:buFont typeface="Arial" panose="020B0604020202020204" pitchFamily="34" charset="0"/>
-              <a:buChar char="•"/>
-            </a:pPr>
-            <a:r>
-              <a:rPr lang="en-US" b="0" i="0" dirty="0">
-                <a:solidFill>
-                  <a:srgbClr val="2B2B2B"/>
-                </a:solidFill>
-                <a:effectLst/>
-                <a:latin typeface="Roboto" panose="02000000000000000000" pitchFamily="2" charset="0"/>
-              </a:rPr>
-              <a:t>Started with reviewing the Kaggle website looking for stock market data then found the Department of Peace and Conflict research website and pulled the conflict dataset.  During this analysis phase we had the Nasdaq, Dow Jones, S&amp;P 500, and war dataset.</a:t>
-            </a:r>
-          </a:p>
-          <a:p>
-            <a:pPr algn="l">
-              <a:buFont typeface="Arial" panose="020B0604020202020204" pitchFamily="34" charset="0"/>
-              <a:buChar char="•"/>
-            </a:pPr>
-            <a:r>
-              <a:rPr lang="en-US" b="0" i="0" dirty="0">
-                <a:solidFill>
-                  <a:srgbClr val="2B2B2B"/>
-                </a:solidFill>
-                <a:effectLst/>
-                <a:latin typeface="Roboto" panose="02000000000000000000" pitchFamily="2" charset="0"/>
-              </a:rPr>
-              <a:t>Description of the analysis phase of the project</a:t>
-            </a:r>
-          </a:p>
-          <a:p>
-            <a:pPr algn="l">
-              <a:buFont typeface="Arial" panose="020B0604020202020204" pitchFamily="34" charset="0"/>
-              <a:buChar char="•"/>
-            </a:pPr>
-            <a:r>
-              <a:rPr lang="en-US" b="0" i="0" dirty="0">
-                <a:solidFill>
-                  <a:srgbClr val="2B2B2B"/>
-                </a:solidFill>
-                <a:effectLst/>
-                <a:latin typeface="Roboto" panose="02000000000000000000" pitchFamily="2" charset="0"/>
-              </a:rPr>
-              <a:t>Technologies, languages, tools, and algorithms used throughout the project</a:t>
-            </a:r>
-          </a:p>
-          <a:p>
-            <a:pPr algn="l">
-              <a:buFont typeface="Arial" panose="020B0604020202020204" pitchFamily="34" charset="0"/>
-              <a:buChar char="•"/>
-            </a:pPr>
-            <a:endParaRPr lang="en-US" b="0" i="0" dirty="0">
-              <a:solidFill>
-                <a:srgbClr val="2B2B2B"/>
-              </a:solidFill>
-              <a:effectLst/>
-              <a:latin typeface="Roboto" panose="02000000000000000000" pitchFamily="2" charset="0"/>
-            </a:endParaRPr>
-          </a:p>
-          <a:p>
-            <a:endParaRPr lang="en-US" dirty="0"/>
-          </a:p>
-        </p:txBody>
-      </p:sp>
-      <p:sp>
-        <p:nvSpPr>
-          <p:cNvPr id="10" name="TextBox 9">
-            <a:extLst>
-              <a:ext uri="{FF2B5EF4-FFF2-40B4-BE49-F238E27FC236}">
-                <a16:creationId xmlns:a16="http://schemas.microsoft.com/office/drawing/2014/main" id="{453E4B5D-E520-43B6-8C4A-E735E3A876C5}"/>
-              </a:ext>
-            </a:extLst>
-          </p:cNvPr>
-          <p:cNvSpPr txBox="1"/>
-          <p:nvPr/>
-        </p:nvSpPr>
-        <p:spPr>
-          <a:xfrm>
-            <a:off x="8457712" y="4949147"/>
-            <a:ext cx="825817" cy="246221"/>
-          </a:xfrm>
-          <a:prstGeom prst="rect">
-            <a:avLst/>
-          </a:prstGeom>
-          <a:noFill/>
-        </p:spPr>
-        <p:txBody>
-          <a:bodyPr wrap="square" rtlCol="0">
-            <a:spAutoFit/>
-          </a:bodyPr>
-          <a:lstStyle/>
-          <a:p>
-            <a:r>
-              <a:rPr lang="en-US" sz="1000" dirty="0">
-                <a:solidFill>
-                  <a:schemeClr val="bg1"/>
-                </a:solidFill>
-              </a:rPr>
-              <a:t>Group 1</a:t>
-            </a:r>
-            <a:endParaRPr lang="en-US" sz="1000" dirty="0">
-              <a:highlight>
-                <a:srgbClr val="FFFF00"/>
-              </a:highlight>
-            </a:endParaRPr>
-          </a:p>
-        </p:txBody>
-      </p:sp>
-    </p:spTree>
-    <p:extLst>
-      <p:ext uri="{BB962C8B-B14F-4D97-AF65-F5344CB8AC3E}">
-        <p14:creationId xmlns:p14="http://schemas.microsoft.com/office/powerpoint/2010/main" val="1447779153"/>
-      </p:ext>
-    </p:extLst>
-  </p:cSld>
-  <p:clrMapOvr>
-    <a:masterClrMapping/>
-  </p:clrMapOvr>
-</p:sld>
-</file>
-
-<file path=ppt/slides/slide3.xml><?xml version="1.0" encoding="utf-8"?>
 <p:sld xmlns:a="http://schemas.openxmlformats.org/drawingml/2006/main" xmlns:r="http://schemas.openxmlformats.org/officeDocument/2006/relationships" xmlns:p="http://schemas.openxmlformats.org/presentationml/2006/main">
   <p:cSld>
     <p:bg>
@@ -7127,7 +6420,7 @@
 </p:sld>
 </file>
 
-<file path=ppt/slides/slide4.xml><?xml version="1.0" encoding="utf-8"?>
+<file path=ppt/slides/slide3.xml><?xml version="1.0" encoding="utf-8"?>
 <p:sld xmlns:a="http://schemas.openxmlformats.org/drawingml/2006/main" xmlns:r="http://schemas.openxmlformats.org/officeDocument/2006/relationships" xmlns:p="http://schemas.openxmlformats.org/presentationml/2006/main">
   <p:cSld>
     <p:bg>
@@ -7613,7 +6906,7 @@
 </p:sld>
 </file>
 
-<file path=ppt/slides/slide5.xml><?xml version="1.0" encoding="utf-8"?>
+<file path=ppt/slides/slide4.xml><?xml version="1.0" encoding="utf-8"?>
 <p:sld xmlns:a="http://schemas.openxmlformats.org/drawingml/2006/main" xmlns:r="http://schemas.openxmlformats.org/officeDocument/2006/relationships" xmlns:p="http://schemas.openxmlformats.org/presentationml/2006/main">
   <p:cSld>
     <p:bg>
@@ -8020,6 +7313,295 @@
     <p:extLst>
       <p:ext uri="{BB962C8B-B14F-4D97-AF65-F5344CB8AC3E}">
         <p14:creationId xmlns:p14="http://schemas.microsoft.com/office/powerpoint/2010/main" val="3400013190"/>
+      </p:ext>
+    </p:extLst>
+  </p:cSld>
+  <p:clrMapOvr>
+    <a:masterClrMapping/>
+  </p:clrMapOvr>
+</p:sld>
+</file>
+
+<file path=ppt/slides/slide5.xml><?xml version="1.0" encoding="utf-8"?>
+<p:sld xmlns:a="http://schemas.openxmlformats.org/drawingml/2006/main" xmlns:r="http://schemas.openxmlformats.org/officeDocument/2006/relationships" xmlns:p="http://schemas.openxmlformats.org/presentationml/2006/main">
+  <p:cSld>
+    <p:bg>
+      <p:bgPr>
+        <a:blipFill dpi="0" rotWithShape="1">
+          <a:blip r:embed="rId3">
+            <a:lum/>
+          </a:blip>
+          <a:srcRect/>
+          <a:stretch>
+            <a:fillRect/>
+          </a:stretch>
+        </a:blipFill>
+        <a:effectLst/>
+      </p:bgPr>
+    </p:bg>
+    <p:spTree>
+      <p:nvGrpSpPr>
+        <p:cNvPr id="1" name="Shape 53"/>
+        <p:cNvGrpSpPr/>
+        <p:nvPr/>
+      </p:nvGrpSpPr>
+      <p:grpSpPr>
+        <a:xfrm>
+          <a:off x="0" y="0"/>
+          <a:ext cx="0" cy="0"/>
+          <a:chOff x="0" y="0"/>
+          <a:chExt cx="0" cy="0"/>
+        </a:xfrm>
+      </p:grpSpPr>
+      <p:pic>
+        <p:nvPicPr>
+          <p:cNvPr id="4" name="Picture 3">
+            <a:extLst>
+              <a:ext uri="{FF2B5EF4-FFF2-40B4-BE49-F238E27FC236}">
+                <a16:creationId xmlns:a16="http://schemas.microsoft.com/office/drawing/2014/main" id="{988BEC99-851C-4203-85C9-4FF1779C0510}"/>
+              </a:ext>
+            </a:extLst>
+          </p:cNvPr>
+          <p:cNvPicPr>
+            <a:picLocks noChangeAspect="1"/>
+          </p:cNvPicPr>
+          <p:nvPr/>
+        </p:nvPicPr>
+        <p:blipFill>
+          <a:blip r:embed="rId4"/>
+          <a:stretch>
+            <a:fillRect/>
+          </a:stretch>
+        </p:blipFill>
+        <p:spPr>
+          <a:xfrm>
+            <a:off x="45720" y="419735"/>
+            <a:ext cx="9219724" cy="4818348"/>
+          </a:xfrm>
+          <a:prstGeom prst="rect">
+            <a:avLst/>
+          </a:prstGeom>
+          <a:solidFill>
+            <a:schemeClr val="bg1"/>
+          </a:solidFill>
+          <a:effectLst>
+            <a:glow rad="127000">
+              <a:schemeClr val="bg1">
+                <a:lumMod val="95000"/>
+                <a:alpha val="0"/>
+              </a:schemeClr>
+            </a:glow>
+          </a:effectLst>
+        </p:spPr>
+      </p:pic>
+      <p:sp>
+        <p:nvSpPr>
+          <p:cNvPr id="55" name="Google Shape;55;p13"/>
+          <p:cNvSpPr txBox="1">
+            <a:spLocks noGrp="1"/>
+          </p:cNvSpPr>
+          <p:nvPr>
+            <p:ph type="subTitle" idx="1"/>
+          </p:nvPr>
+        </p:nvSpPr>
+        <p:spPr>
+          <a:xfrm>
+            <a:off x="45720" y="71242"/>
+            <a:ext cx="9063990" cy="477397"/>
+          </a:xfrm>
+          <a:prstGeom prst="rect">
+            <a:avLst/>
+          </a:prstGeom>
+          <a:blipFill dpi="0" rotWithShape="1">
+            <a:blip r:embed="rId5">
+              <a:alphaModFix amt="74000"/>
+            </a:blip>
+            <a:srcRect/>
+            <a:tile tx="0" ty="0" sx="100000" sy="100000" flip="none" algn="tl"/>
+          </a:blipFill>
+          <a:effectLst>
+            <a:glow rad="127000">
+              <a:schemeClr val="accent1">
+                <a:lumMod val="75000"/>
+              </a:schemeClr>
+            </a:glow>
+          </a:effectLst>
+        </p:spPr>
+        <p:txBody>
+          <a:bodyPr spcFirstLastPara="1" wrap="square" lIns="91425" tIns="91425" rIns="91425" bIns="91425" anchor="t" anchorCtr="0">
+            <a:normAutofit/>
+          </a:bodyPr>
+          <a:lstStyle/>
+          <a:p>
+            <a:pPr marL="0" lvl="0" indent="0" algn="ctr" rtl="0">
+              <a:spcBef>
+                <a:spcPts val="0"/>
+              </a:spcBef>
+              <a:spcAft>
+                <a:spcPts val="0"/>
+              </a:spcAft>
+              <a:buNone/>
+            </a:pPr>
+            <a:r>
+              <a:rPr lang="en" sz="1800" dirty="0">
+                <a:solidFill>
+                  <a:srgbClr val="000000"/>
+                </a:solidFill>
+              </a:rPr>
+              <a:t>Market Volatility During International Conflicts</a:t>
+            </a:r>
+            <a:endParaRPr sz="1800" dirty="0">
+              <a:solidFill>
+                <a:srgbClr val="000000"/>
+              </a:solidFill>
+            </a:endParaRPr>
+          </a:p>
+        </p:txBody>
+      </p:sp>
+      <p:sp>
+        <p:nvSpPr>
+          <p:cNvPr id="2" name="TextBox 1">
+            <a:extLst>
+              <a:ext uri="{FF2B5EF4-FFF2-40B4-BE49-F238E27FC236}">
+                <a16:creationId xmlns:a16="http://schemas.microsoft.com/office/drawing/2014/main" id="{48BF80AB-9619-49C8-9D40-FF1028787918}"/>
+              </a:ext>
+            </a:extLst>
+          </p:cNvPr>
+          <p:cNvSpPr txBox="1"/>
+          <p:nvPr/>
+        </p:nvSpPr>
+        <p:spPr>
+          <a:xfrm>
+            <a:off x="474345" y="909756"/>
+            <a:ext cx="8286750" cy="1384995"/>
+          </a:xfrm>
+          <a:prstGeom prst="rect">
+            <a:avLst/>
+          </a:prstGeom>
+          <a:gradFill flip="none" rotWithShape="1">
+            <a:gsLst>
+              <a:gs pos="0">
+                <a:schemeClr val="accent4">
+                  <a:lumMod val="0"/>
+                  <a:lumOff val="100000"/>
+                </a:schemeClr>
+              </a:gs>
+              <a:gs pos="49000">
+                <a:schemeClr val="accent4">
+                  <a:lumMod val="0"/>
+                  <a:lumOff val="100000"/>
+                  <a:alpha val="46000"/>
+                </a:schemeClr>
+              </a:gs>
+              <a:gs pos="100000">
+                <a:schemeClr val="accent4">
+                  <a:lumMod val="100000"/>
+                </a:schemeClr>
+              </a:gs>
+            </a:gsLst>
+            <a:path path="shape">
+              <a:fillToRect l="50000" t="50000" r="50000" b="50000"/>
+            </a:path>
+            <a:tileRect/>
+          </a:gradFill>
+        </p:spPr>
+        <p:txBody>
+          <a:bodyPr wrap="square" rtlCol="0">
+            <a:spAutoFit/>
+          </a:bodyPr>
+          <a:lstStyle/>
+          <a:p>
+            <a:pPr algn="l">
+              <a:buFont typeface="Arial" panose="020B0604020202020204" pitchFamily="34" charset="0"/>
+              <a:buChar char="•"/>
+            </a:pPr>
+            <a:r>
+              <a:rPr lang="en-US" b="0" i="0" dirty="0">
+                <a:solidFill>
+                  <a:srgbClr val="2B2B2B"/>
+                </a:solidFill>
+                <a:effectLst/>
+                <a:latin typeface="Roboto" panose="02000000000000000000" pitchFamily="2" charset="0"/>
+              </a:rPr>
+              <a:t>Description of the data exploration phase of the project:</a:t>
+            </a:r>
+          </a:p>
+          <a:p>
+            <a:pPr algn="l"/>
+            <a:r>
+              <a:rPr lang="en-US" b="0" i="0" dirty="0">
+                <a:solidFill>
+                  <a:srgbClr val="2B2B2B"/>
+                </a:solidFill>
+                <a:effectLst/>
+                <a:latin typeface="Roboto" panose="02000000000000000000" pitchFamily="2" charset="0"/>
+              </a:rPr>
+              <a:t>First we searched Kaggle to find stock market data for the 3 markets Dow Jones, Nasdaq, and S&amp;P 500.  Next we searched for conflicts and found the Uppsala Conflict Data Program – Department of Peace and Conflict Research website.  This is a great website with multiple datasets of conflict data.</a:t>
+            </a:r>
+          </a:p>
+          <a:p>
+            <a:pPr algn="l"/>
+            <a:endParaRPr lang="en-US" b="0" i="0" dirty="0">
+              <a:solidFill>
+                <a:srgbClr val="2B2B2B"/>
+              </a:solidFill>
+              <a:effectLst/>
+              <a:latin typeface="Roboto" panose="02000000000000000000" pitchFamily="2" charset="0"/>
+            </a:endParaRPr>
+          </a:p>
+          <a:p>
+            <a:endParaRPr lang="en-US" dirty="0"/>
+          </a:p>
+        </p:txBody>
+      </p:sp>
+      <p:sp>
+        <p:nvSpPr>
+          <p:cNvPr id="10" name="TextBox 9">
+            <a:extLst>
+              <a:ext uri="{FF2B5EF4-FFF2-40B4-BE49-F238E27FC236}">
+                <a16:creationId xmlns:a16="http://schemas.microsoft.com/office/drawing/2014/main" id="{453E4B5D-E520-43B6-8C4A-E735E3A876C5}"/>
+              </a:ext>
+            </a:extLst>
+          </p:cNvPr>
+          <p:cNvSpPr txBox="1"/>
+          <p:nvPr/>
+        </p:nvSpPr>
+        <p:spPr>
+          <a:xfrm>
+            <a:off x="8457712" y="4949147"/>
+            <a:ext cx="825817" cy="246221"/>
+          </a:xfrm>
+          <a:prstGeom prst="rect">
+            <a:avLst/>
+          </a:prstGeom>
+          <a:noFill/>
+        </p:spPr>
+        <p:txBody>
+          <a:bodyPr wrap="square" rtlCol="0">
+            <a:spAutoFit/>
+          </a:bodyPr>
+          <a:lstStyle/>
+          <a:p>
+            <a:r>
+              <a:rPr lang="en-US" sz="1000" dirty="0">
+                <a:solidFill>
+                  <a:schemeClr val="bg1"/>
+                </a:solidFill>
+              </a:rPr>
+              <a:t>Group 1</a:t>
+            </a:r>
+            <a:endParaRPr lang="en-US" sz="1000" dirty="0">
+              <a:highlight>
+                <a:srgbClr val="FFFF00"/>
+              </a:highlight>
+            </a:endParaRPr>
+          </a:p>
+        </p:txBody>
+      </p:sp>
+    </p:spTree>
+    <p:extLst>
+      <p:ext uri="{BB962C8B-B14F-4D97-AF65-F5344CB8AC3E}">
+        <p14:creationId xmlns:p14="http://schemas.microsoft.com/office/powerpoint/2010/main" val="1687308034"/>
       </p:ext>
     </p:extLst>
   </p:cSld>
@@ -8230,7 +7812,7 @@
                 <a:effectLst/>
                 <a:latin typeface="Roboto" panose="02000000000000000000" pitchFamily="2" charset="0"/>
               </a:rPr>
-              <a:t>Description of the data exploration phase of the project:</a:t>
+              <a:t>Description of the analysis phase of the project:</a:t>
             </a:r>
           </a:p>
           <a:p>
@@ -8243,11 +7825,17 @@
                 <a:effectLst/>
                 <a:latin typeface="Roboto" panose="02000000000000000000" pitchFamily="2" charset="0"/>
               </a:rPr>
-              <a:t>First we searched Kaggle to find stock market data for the 3 markets Dow Jones, Nasdaq, and S&amp;P 500.  Next we searched for conflicts and found the Uppsala Conflict Data Program – Department of Peace and Conflict Research website.  This is a great website with multiple datasets of conflict data.</a:t>
+              <a:t>Data was downloaded </a:t>
             </a:r>
-          </a:p>
-          <a:p>
-            <a:pPr algn="l"/>
+            <a:r>
+              <a:rPr lang="en-US" dirty="0">
+                <a:solidFill>
+                  <a:srgbClr val="2B2B2B"/>
+                </a:solidFill>
+                <a:latin typeface="Roboto" panose="02000000000000000000" pitchFamily="2" charset="0"/>
+              </a:rPr>
+              <a:t>and cleaned.  The cleaning and merging process has been very challenging.  The dates of the conflicts versus the dates of the market data do not align easily as it is weekly not daily.  Narrowing the conflict data has been a timely process with many listed without dates along with conflict details.  Challenges have been in date formatting between files and aligning them together.</a:t>
+            </a:r>
             <a:endParaRPr lang="en-US" b="0" i="0" dirty="0">
               <a:solidFill>
                 <a:srgbClr val="2B2B2B"/>
@@ -8308,7 +7896,7 @@
     </p:spTree>
     <p:extLst>
       <p:ext uri="{BB962C8B-B14F-4D97-AF65-F5344CB8AC3E}">
-        <p14:creationId xmlns:p14="http://schemas.microsoft.com/office/powerpoint/2010/main" val="1687308034"/>
+        <p14:creationId xmlns:p14="http://schemas.microsoft.com/office/powerpoint/2010/main" val="981780522"/>
       </p:ext>
     </p:extLst>
   </p:cSld>
@@ -8319,567 +7907,6 @@
 </file>
 
 <file path=ppt/slides/slide7.xml><?xml version="1.0" encoding="utf-8"?>
-<p:sld xmlns:a="http://schemas.openxmlformats.org/drawingml/2006/main" xmlns:r="http://schemas.openxmlformats.org/officeDocument/2006/relationships" xmlns:p="http://schemas.openxmlformats.org/presentationml/2006/main">
-  <p:cSld>
-    <p:bg>
-      <p:bgPr>
-        <a:blipFill dpi="0" rotWithShape="1">
-          <a:blip r:embed="rId3">
-            <a:lum/>
-          </a:blip>
-          <a:srcRect/>
-          <a:stretch>
-            <a:fillRect/>
-          </a:stretch>
-        </a:blipFill>
-        <a:effectLst/>
-      </p:bgPr>
-    </p:bg>
-    <p:spTree>
-      <p:nvGrpSpPr>
-        <p:cNvPr id="1" name="Shape 53"/>
-        <p:cNvGrpSpPr/>
-        <p:nvPr/>
-      </p:nvGrpSpPr>
-      <p:grpSpPr>
-        <a:xfrm>
-          <a:off x="0" y="0"/>
-          <a:ext cx="0" cy="0"/>
-          <a:chOff x="0" y="0"/>
-          <a:chExt cx="0" cy="0"/>
-        </a:xfrm>
-      </p:grpSpPr>
-      <p:pic>
-        <p:nvPicPr>
-          <p:cNvPr id="4" name="Picture 3">
-            <a:extLst>
-              <a:ext uri="{FF2B5EF4-FFF2-40B4-BE49-F238E27FC236}">
-                <a16:creationId xmlns:a16="http://schemas.microsoft.com/office/drawing/2014/main" id="{988BEC99-851C-4203-85C9-4FF1779C0510}"/>
-              </a:ext>
-            </a:extLst>
-          </p:cNvPr>
-          <p:cNvPicPr>
-            <a:picLocks noChangeAspect="1"/>
-          </p:cNvPicPr>
-          <p:nvPr/>
-        </p:nvPicPr>
-        <p:blipFill>
-          <a:blip r:embed="rId4"/>
-          <a:stretch>
-            <a:fillRect/>
-          </a:stretch>
-        </p:blipFill>
-        <p:spPr>
-          <a:xfrm>
-            <a:off x="45720" y="419735"/>
-            <a:ext cx="9219724" cy="4818348"/>
-          </a:xfrm>
-          <a:prstGeom prst="rect">
-            <a:avLst/>
-          </a:prstGeom>
-          <a:solidFill>
-            <a:schemeClr val="bg1"/>
-          </a:solidFill>
-          <a:effectLst>
-            <a:glow rad="127000">
-              <a:schemeClr val="bg1">
-                <a:lumMod val="95000"/>
-                <a:alpha val="0"/>
-              </a:schemeClr>
-            </a:glow>
-          </a:effectLst>
-        </p:spPr>
-      </p:pic>
-      <p:sp>
-        <p:nvSpPr>
-          <p:cNvPr id="55" name="Google Shape;55;p13"/>
-          <p:cNvSpPr txBox="1">
-            <a:spLocks noGrp="1"/>
-          </p:cNvSpPr>
-          <p:nvPr>
-            <p:ph type="subTitle" idx="1"/>
-          </p:nvPr>
-        </p:nvSpPr>
-        <p:spPr>
-          <a:xfrm>
-            <a:off x="45720" y="71242"/>
-            <a:ext cx="9063990" cy="477397"/>
-          </a:xfrm>
-          <a:prstGeom prst="rect">
-            <a:avLst/>
-          </a:prstGeom>
-          <a:blipFill dpi="0" rotWithShape="1">
-            <a:blip r:embed="rId5">
-              <a:alphaModFix amt="74000"/>
-            </a:blip>
-            <a:srcRect/>
-            <a:tile tx="0" ty="0" sx="100000" sy="100000" flip="none" algn="tl"/>
-          </a:blipFill>
-          <a:effectLst>
-            <a:glow rad="127000">
-              <a:schemeClr val="accent1">
-                <a:lumMod val="75000"/>
-              </a:schemeClr>
-            </a:glow>
-          </a:effectLst>
-        </p:spPr>
-        <p:txBody>
-          <a:bodyPr spcFirstLastPara="1" wrap="square" lIns="91425" tIns="91425" rIns="91425" bIns="91425" anchor="t" anchorCtr="0">
-            <a:normAutofit/>
-          </a:bodyPr>
-          <a:lstStyle/>
-          <a:p>
-            <a:pPr marL="0" lvl="0" indent="0" algn="ctr" rtl="0">
-              <a:spcBef>
-                <a:spcPts val="0"/>
-              </a:spcBef>
-              <a:spcAft>
-                <a:spcPts val="0"/>
-              </a:spcAft>
-              <a:buNone/>
-            </a:pPr>
-            <a:r>
-              <a:rPr lang="en" sz="1800" dirty="0">
-                <a:solidFill>
-                  <a:srgbClr val="000000"/>
-                </a:solidFill>
-              </a:rPr>
-              <a:t>Market Volatility During International Conflicts</a:t>
-            </a:r>
-            <a:endParaRPr sz="1800" dirty="0">
-              <a:solidFill>
-                <a:srgbClr val="000000"/>
-              </a:solidFill>
-            </a:endParaRPr>
-          </a:p>
-        </p:txBody>
-      </p:sp>
-      <p:sp>
-        <p:nvSpPr>
-          <p:cNvPr id="2" name="TextBox 1">
-            <a:extLst>
-              <a:ext uri="{FF2B5EF4-FFF2-40B4-BE49-F238E27FC236}">
-                <a16:creationId xmlns:a16="http://schemas.microsoft.com/office/drawing/2014/main" id="{48BF80AB-9619-49C8-9D40-FF1028787918}"/>
-              </a:ext>
-            </a:extLst>
-          </p:cNvPr>
-          <p:cNvSpPr txBox="1"/>
-          <p:nvPr/>
-        </p:nvSpPr>
-        <p:spPr>
-          <a:xfrm>
-            <a:off x="474345" y="909756"/>
-            <a:ext cx="8286750" cy="1384995"/>
-          </a:xfrm>
-          <a:prstGeom prst="rect">
-            <a:avLst/>
-          </a:prstGeom>
-          <a:gradFill flip="none" rotWithShape="1">
-            <a:gsLst>
-              <a:gs pos="0">
-                <a:schemeClr val="accent4">
-                  <a:lumMod val="0"/>
-                  <a:lumOff val="100000"/>
-                </a:schemeClr>
-              </a:gs>
-              <a:gs pos="49000">
-                <a:schemeClr val="accent4">
-                  <a:lumMod val="0"/>
-                  <a:lumOff val="100000"/>
-                  <a:alpha val="46000"/>
-                </a:schemeClr>
-              </a:gs>
-              <a:gs pos="100000">
-                <a:schemeClr val="accent4">
-                  <a:lumMod val="100000"/>
-                </a:schemeClr>
-              </a:gs>
-            </a:gsLst>
-            <a:path path="shape">
-              <a:fillToRect l="50000" t="50000" r="50000" b="50000"/>
-            </a:path>
-            <a:tileRect/>
-          </a:gradFill>
-        </p:spPr>
-        <p:txBody>
-          <a:bodyPr wrap="square" rtlCol="0">
-            <a:spAutoFit/>
-          </a:bodyPr>
-          <a:lstStyle/>
-          <a:p>
-            <a:pPr algn="l">
-              <a:buFont typeface="Arial" panose="020B0604020202020204" pitchFamily="34" charset="0"/>
-              <a:buChar char="•"/>
-            </a:pPr>
-            <a:r>
-              <a:rPr lang="en-US" b="0" i="0" dirty="0">
-                <a:solidFill>
-                  <a:srgbClr val="2B2B2B"/>
-                </a:solidFill>
-                <a:effectLst/>
-                <a:latin typeface="Roboto" panose="02000000000000000000" pitchFamily="2" charset="0"/>
-              </a:rPr>
-              <a:t>Description of the analysis phase of the project:</a:t>
-            </a:r>
-          </a:p>
-          <a:p>
-            <a:pPr algn="l"/>
-            <a:r>
-              <a:rPr lang="en-US" b="0" i="0" dirty="0">
-                <a:solidFill>
-                  <a:srgbClr val="2B2B2B"/>
-                </a:solidFill>
-                <a:effectLst/>
-                <a:latin typeface="Roboto" panose="02000000000000000000" pitchFamily="2" charset="0"/>
-              </a:rPr>
-              <a:t>Data was downloaded </a:t>
-            </a:r>
-            <a:r>
-              <a:rPr lang="en-US" dirty="0">
-                <a:solidFill>
-                  <a:srgbClr val="2B2B2B"/>
-                </a:solidFill>
-                <a:latin typeface="Roboto" panose="02000000000000000000" pitchFamily="2" charset="0"/>
-              </a:rPr>
-              <a:t>and cleaned.  The cleaning and merging process has been very challenging.  The dates of the conflicts versus the dates of the market data do not align easily as it is weekly not daily.  Narrowing the conflict data has been a timely process with many listed without dates along with conflict details.  Challenges have been in date formatting between files and aligning them together</a:t>
-            </a:r>
-            <a:endParaRPr lang="en-US" b="0" i="0" dirty="0">
-              <a:solidFill>
-                <a:srgbClr val="2B2B2B"/>
-              </a:solidFill>
-              <a:effectLst/>
-              <a:latin typeface="Roboto" panose="02000000000000000000" pitchFamily="2" charset="0"/>
-            </a:endParaRPr>
-          </a:p>
-          <a:p>
-            <a:endParaRPr lang="en-US" dirty="0"/>
-          </a:p>
-        </p:txBody>
-      </p:sp>
-      <p:sp>
-        <p:nvSpPr>
-          <p:cNvPr id="10" name="TextBox 9">
-            <a:extLst>
-              <a:ext uri="{FF2B5EF4-FFF2-40B4-BE49-F238E27FC236}">
-                <a16:creationId xmlns:a16="http://schemas.microsoft.com/office/drawing/2014/main" id="{453E4B5D-E520-43B6-8C4A-E735E3A876C5}"/>
-              </a:ext>
-            </a:extLst>
-          </p:cNvPr>
-          <p:cNvSpPr txBox="1"/>
-          <p:nvPr/>
-        </p:nvSpPr>
-        <p:spPr>
-          <a:xfrm>
-            <a:off x="8457712" y="4949147"/>
-            <a:ext cx="825817" cy="246221"/>
-          </a:xfrm>
-          <a:prstGeom prst="rect">
-            <a:avLst/>
-          </a:prstGeom>
-          <a:noFill/>
-        </p:spPr>
-        <p:txBody>
-          <a:bodyPr wrap="square" rtlCol="0">
-            <a:spAutoFit/>
-          </a:bodyPr>
-          <a:lstStyle/>
-          <a:p>
-            <a:r>
-              <a:rPr lang="en-US" sz="1000" dirty="0">
-                <a:solidFill>
-                  <a:schemeClr val="bg1"/>
-                </a:solidFill>
-              </a:rPr>
-              <a:t>Group 1</a:t>
-            </a:r>
-            <a:endParaRPr lang="en-US" sz="1000" dirty="0">
-              <a:highlight>
-                <a:srgbClr val="FFFF00"/>
-              </a:highlight>
-            </a:endParaRPr>
-          </a:p>
-        </p:txBody>
-      </p:sp>
-    </p:spTree>
-    <p:extLst>
-      <p:ext uri="{BB962C8B-B14F-4D97-AF65-F5344CB8AC3E}">
-        <p14:creationId xmlns:p14="http://schemas.microsoft.com/office/powerpoint/2010/main" val="981780522"/>
-      </p:ext>
-    </p:extLst>
-  </p:cSld>
-  <p:clrMapOvr>
-    <a:masterClrMapping/>
-  </p:clrMapOvr>
-</p:sld>
-</file>
-
-<file path=ppt/slides/slide8.xml><?xml version="1.0" encoding="utf-8"?>
-<p:sld xmlns:a="http://schemas.openxmlformats.org/drawingml/2006/main" xmlns:r="http://schemas.openxmlformats.org/officeDocument/2006/relationships" xmlns:p="http://schemas.openxmlformats.org/presentationml/2006/main">
-  <p:cSld>
-    <p:bg>
-      <p:bgPr>
-        <a:blipFill dpi="0" rotWithShape="1">
-          <a:blip r:embed="rId3">
-            <a:lum/>
-          </a:blip>
-          <a:srcRect/>
-          <a:stretch>
-            <a:fillRect/>
-          </a:stretch>
-        </a:blipFill>
-        <a:effectLst/>
-      </p:bgPr>
-    </p:bg>
-    <p:spTree>
-      <p:nvGrpSpPr>
-        <p:cNvPr id="1" name="Shape 53"/>
-        <p:cNvGrpSpPr/>
-        <p:nvPr/>
-      </p:nvGrpSpPr>
-      <p:grpSpPr>
-        <a:xfrm>
-          <a:off x="0" y="0"/>
-          <a:ext cx="0" cy="0"/>
-          <a:chOff x="0" y="0"/>
-          <a:chExt cx="0" cy="0"/>
-        </a:xfrm>
-      </p:grpSpPr>
-      <p:pic>
-        <p:nvPicPr>
-          <p:cNvPr id="4" name="Picture 3">
-            <a:extLst>
-              <a:ext uri="{FF2B5EF4-FFF2-40B4-BE49-F238E27FC236}">
-                <a16:creationId xmlns:a16="http://schemas.microsoft.com/office/drawing/2014/main" id="{988BEC99-851C-4203-85C9-4FF1779C0510}"/>
-              </a:ext>
-            </a:extLst>
-          </p:cNvPr>
-          <p:cNvPicPr>
-            <a:picLocks noChangeAspect="1"/>
-          </p:cNvPicPr>
-          <p:nvPr/>
-        </p:nvPicPr>
-        <p:blipFill>
-          <a:blip r:embed="rId4"/>
-          <a:stretch>
-            <a:fillRect/>
-          </a:stretch>
-        </p:blipFill>
-        <p:spPr>
-          <a:xfrm>
-            <a:off x="45720" y="419735"/>
-            <a:ext cx="9219724" cy="4818348"/>
-          </a:xfrm>
-          <a:prstGeom prst="rect">
-            <a:avLst/>
-          </a:prstGeom>
-          <a:solidFill>
-            <a:schemeClr val="bg1"/>
-          </a:solidFill>
-          <a:effectLst>
-            <a:glow rad="127000">
-              <a:schemeClr val="bg1">
-                <a:lumMod val="95000"/>
-                <a:alpha val="0"/>
-              </a:schemeClr>
-            </a:glow>
-          </a:effectLst>
-        </p:spPr>
-      </p:pic>
-      <p:sp>
-        <p:nvSpPr>
-          <p:cNvPr id="55" name="Google Shape;55;p13"/>
-          <p:cNvSpPr txBox="1">
-            <a:spLocks noGrp="1"/>
-          </p:cNvSpPr>
-          <p:nvPr>
-            <p:ph type="subTitle" idx="1"/>
-          </p:nvPr>
-        </p:nvSpPr>
-        <p:spPr>
-          <a:xfrm>
-            <a:off x="45720" y="71242"/>
-            <a:ext cx="9063990" cy="477397"/>
-          </a:xfrm>
-          <a:prstGeom prst="rect">
-            <a:avLst/>
-          </a:prstGeom>
-          <a:blipFill dpi="0" rotWithShape="1">
-            <a:blip r:embed="rId5">
-              <a:alphaModFix amt="74000"/>
-            </a:blip>
-            <a:srcRect/>
-            <a:tile tx="0" ty="0" sx="100000" sy="100000" flip="none" algn="tl"/>
-          </a:blipFill>
-          <a:effectLst>
-            <a:glow rad="127000">
-              <a:schemeClr val="accent1">
-                <a:lumMod val="75000"/>
-              </a:schemeClr>
-            </a:glow>
-          </a:effectLst>
-        </p:spPr>
-        <p:txBody>
-          <a:bodyPr spcFirstLastPara="1" wrap="square" lIns="91425" tIns="91425" rIns="91425" bIns="91425" anchor="t" anchorCtr="0">
-            <a:normAutofit/>
-          </a:bodyPr>
-          <a:lstStyle/>
-          <a:p>
-            <a:pPr marL="0" lvl="0" indent="0" algn="ctr" rtl="0">
-              <a:spcBef>
-                <a:spcPts val="0"/>
-              </a:spcBef>
-              <a:spcAft>
-                <a:spcPts val="0"/>
-              </a:spcAft>
-              <a:buNone/>
-            </a:pPr>
-            <a:r>
-              <a:rPr lang="en" sz="1800" dirty="0">
-                <a:solidFill>
-                  <a:srgbClr val="000000"/>
-                </a:solidFill>
-              </a:rPr>
-              <a:t>Market Volatility During International Conflicts</a:t>
-            </a:r>
-            <a:endParaRPr sz="1800" dirty="0">
-              <a:solidFill>
-                <a:srgbClr val="000000"/>
-              </a:solidFill>
-            </a:endParaRPr>
-          </a:p>
-        </p:txBody>
-      </p:sp>
-      <p:sp>
-        <p:nvSpPr>
-          <p:cNvPr id="2" name="TextBox 1">
-            <a:extLst>
-              <a:ext uri="{FF2B5EF4-FFF2-40B4-BE49-F238E27FC236}">
-                <a16:creationId xmlns:a16="http://schemas.microsoft.com/office/drawing/2014/main" id="{48BF80AB-9619-49C8-9D40-FF1028787918}"/>
-              </a:ext>
-            </a:extLst>
-          </p:cNvPr>
-          <p:cNvSpPr txBox="1"/>
-          <p:nvPr/>
-        </p:nvSpPr>
-        <p:spPr>
-          <a:xfrm>
-            <a:off x="474345" y="909756"/>
-            <a:ext cx="8286750" cy="523220"/>
-          </a:xfrm>
-          <a:prstGeom prst="rect">
-            <a:avLst/>
-          </a:prstGeom>
-          <a:gradFill flip="none" rotWithShape="1">
-            <a:gsLst>
-              <a:gs pos="0">
-                <a:schemeClr val="accent4">
-                  <a:lumMod val="0"/>
-                  <a:lumOff val="100000"/>
-                </a:schemeClr>
-              </a:gs>
-              <a:gs pos="49000">
-                <a:schemeClr val="accent4">
-                  <a:lumMod val="0"/>
-                  <a:lumOff val="100000"/>
-                  <a:alpha val="46000"/>
-                </a:schemeClr>
-              </a:gs>
-              <a:gs pos="100000">
-                <a:schemeClr val="accent4">
-                  <a:lumMod val="100000"/>
-                </a:schemeClr>
-              </a:gs>
-            </a:gsLst>
-            <a:path path="shape">
-              <a:fillToRect l="50000" t="50000" r="50000" b="50000"/>
-            </a:path>
-            <a:tileRect/>
-          </a:gradFill>
-        </p:spPr>
-        <p:txBody>
-          <a:bodyPr wrap="square" rtlCol="0">
-            <a:spAutoFit/>
-          </a:bodyPr>
-          <a:lstStyle/>
-          <a:p>
-            <a:pPr algn="l">
-              <a:buFont typeface="Arial" panose="020B0604020202020204" pitchFamily="34" charset="0"/>
-              <a:buChar char="•"/>
-            </a:pPr>
-            <a:r>
-              <a:rPr lang="en-US" b="0" i="0" dirty="0">
-                <a:solidFill>
-                  <a:srgbClr val="2B2B2B"/>
-                </a:solidFill>
-                <a:effectLst/>
-                <a:latin typeface="Roboto" panose="02000000000000000000" pitchFamily="2" charset="0"/>
-              </a:rPr>
-              <a:t>Description of the analysis phase of the project</a:t>
-            </a:r>
-          </a:p>
-          <a:p>
-            <a:endParaRPr lang="en-US" dirty="0"/>
-          </a:p>
-        </p:txBody>
-      </p:sp>
-      <p:sp>
-        <p:nvSpPr>
-          <p:cNvPr id="10" name="TextBox 9">
-            <a:extLst>
-              <a:ext uri="{FF2B5EF4-FFF2-40B4-BE49-F238E27FC236}">
-                <a16:creationId xmlns:a16="http://schemas.microsoft.com/office/drawing/2014/main" id="{453E4B5D-E520-43B6-8C4A-E735E3A876C5}"/>
-              </a:ext>
-            </a:extLst>
-          </p:cNvPr>
-          <p:cNvSpPr txBox="1"/>
-          <p:nvPr/>
-        </p:nvSpPr>
-        <p:spPr>
-          <a:xfrm>
-            <a:off x="8457712" y="4949147"/>
-            <a:ext cx="825817" cy="246221"/>
-          </a:xfrm>
-          <a:prstGeom prst="rect">
-            <a:avLst/>
-          </a:prstGeom>
-          <a:noFill/>
-        </p:spPr>
-        <p:txBody>
-          <a:bodyPr wrap="square" rtlCol="0">
-            <a:spAutoFit/>
-          </a:bodyPr>
-          <a:lstStyle/>
-          <a:p>
-            <a:r>
-              <a:rPr lang="en-US" sz="1000" dirty="0">
-                <a:solidFill>
-                  <a:schemeClr val="bg1"/>
-                </a:solidFill>
-              </a:rPr>
-              <a:t>Group 1</a:t>
-            </a:r>
-            <a:endParaRPr lang="en-US" sz="1000" dirty="0">
-              <a:highlight>
-                <a:srgbClr val="FFFF00"/>
-              </a:highlight>
-            </a:endParaRPr>
-          </a:p>
-        </p:txBody>
-      </p:sp>
-    </p:spTree>
-    <p:extLst>
-      <p:ext uri="{BB962C8B-B14F-4D97-AF65-F5344CB8AC3E}">
-        <p14:creationId xmlns:p14="http://schemas.microsoft.com/office/powerpoint/2010/main" val="2588658627"/>
-      </p:ext>
-    </p:extLst>
-  </p:cSld>
-  <p:clrMapOvr>
-    <a:masterClrMapping/>
-  </p:clrMapOvr>
-</p:sld>
-</file>
-
-<file path=ppt/slides/slide9.xml><?xml version="1.0" encoding="utf-8"?>
 <p:sld xmlns:a="http://schemas.openxmlformats.org/drawingml/2006/main" xmlns:r="http://schemas.openxmlformats.org/officeDocument/2006/relationships" xmlns:p="http://schemas.openxmlformats.org/presentationml/2006/main">
   <p:cSld>
     <p:bg>
@@ -9364,6 +8391,99 @@
     <p:extLst>
       <p:ext uri="{BB962C8B-B14F-4D97-AF65-F5344CB8AC3E}">
         <p14:creationId xmlns:p14="http://schemas.microsoft.com/office/powerpoint/2010/main" val="1218306996"/>
+      </p:ext>
+    </p:extLst>
+  </p:cSld>
+  <p:clrMapOvr>
+    <a:masterClrMapping/>
+  </p:clrMapOvr>
+</p:sld>
+</file>
+
+<file path=ppt/slides/slide8.xml><?xml version="1.0" encoding="utf-8"?>
+<p:sld xmlns:a="http://schemas.openxmlformats.org/drawingml/2006/main" xmlns:r="http://schemas.openxmlformats.org/officeDocument/2006/relationships" xmlns:p="http://schemas.openxmlformats.org/presentationml/2006/main">
+  <p:cSld>
+    <p:spTree>
+      <p:nvGrpSpPr>
+        <p:cNvPr id="1" name=""/>
+        <p:cNvGrpSpPr/>
+        <p:nvPr/>
+      </p:nvGrpSpPr>
+      <p:grpSpPr>
+        <a:xfrm>
+          <a:off x="0" y="0"/>
+          <a:ext cx="0" cy="0"/>
+          <a:chOff x="0" y="0"/>
+          <a:chExt cx="0" cy="0"/>
+        </a:xfrm>
+      </p:grpSpPr>
+      <p:sp>
+        <p:nvSpPr>
+          <p:cNvPr id="2" name="Title 1">
+            <a:extLst>
+              <a:ext uri="{FF2B5EF4-FFF2-40B4-BE49-F238E27FC236}">
+                <a16:creationId xmlns:a16="http://schemas.microsoft.com/office/drawing/2014/main" id="{893591FB-E051-45F5-BD5B-84DA315AECCE}"/>
+              </a:ext>
+            </a:extLst>
+          </p:cNvPr>
+          <p:cNvSpPr>
+            <a:spLocks noGrp="1"/>
+          </p:cNvSpPr>
+          <p:nvPr>
+            <p:ph type="title"/>
+          </p:nvPr>
+        </p:nvSpPr>
+        <p:spPr/>
+        <p:txBody>
+          <a:bodyPr/>
+          <a:lstStyle/>
+          <a:p>
+            <a:endParaRPr lang="en-US" dirty="0"/>
+          </a:p>
+        </p:txBody>
+      </p:sp>
+      <p:sp>
+        <p:nvSpPr>
+          <p:cNvPr id="3" name="Slide Number Placeholder 2">
+            <a:extLst>
+              <a:ext uri="{FF2B5EF4-FFF2-40B4-BE49-F238E27FC236}">
+                <a16:creationId xmlns:a16="http://schemas.microsoft.com/office/drawing/2014/main" id="{12DABCC8-71FF-431C-BC45-1554E8BD99CB}"/>
+              </a:ext>
+            </a:extLst>
+          </p:cNvPr>
+          <p:cNvSpPr>
+            <a:spLocks noGrp="1"/>
+          </p:cNvSpPr>
+          <p:nvPr>
+            <p:ph type="sldNum" idx="12"/>
+          </p:nvPr>
+        </p:nvSpPr>
+        <p:spPr/>
+        <p:txBody>
+          <a:bodyPr/>
+          <a:lstStyle/>
+          <a:p>
+            <a:pPr marL="0" lvl="0" indent="0" algn="r" rtl="0">
+              <a:spcBef>
+                <a:spcPts val="0"/>
+              </a:spcBef>
+              <a:spcAft>
+                <a:spcPts val="0"/>
+              </a:spcAft>
+              <a:buNone/>
+            </a:pPr>
+            <a:fld id="{00000000-1234-1234-1234-123412341234}" type="slidenum">
+              <a:rPr lang="en" smtClean="0"/>
+              <a:t>8</a:t>
+            </a:fld>
+            <a:endParaRPr lang="en"/>
+          </a:p>
+        </p:txBody>
+      </p:sp>
+    </p:spTree>
+    <p:extLst>
+      <p:ext uri="{BB962C8B-B14F-4D97-AF65-F5344CB8AC3E}">
+        <p14:creationId xmlns:p14="http://schemas.microsoft.com/office/powerpoint/2010/main" val="3080054913"/>
       </p:ext>
     </p:extLst>
   </p:cSld>
